--- a/slides/01-Motivação.pptx
+++ b/slides/01-Motivação.pptx
@@ -18,8 +18,8 @@
     <p:sldId id="272" r:id="rId12"/>
     <p:sldId id="267" r:id="rId13"/>
     <p:sldId id="271" r:id="rId14"/>
-    <p:sldId id="268" r:id="rId15"/>
-    <p:sldId id="270" r:id="rId16"/>
+    <p:sldId id="270" r:id="rId15"/>
+    <p:sldId id="268" r:id="rId16"/>
     <p:sldId id="269" r:id="rId17"/>
   </p:sldIdLst>
   <p:sldSz cx="12192000" cy="6858000"/>
@@ -308,7 +308,7 @@
           <a:p>
             <a:fld id="{330EA680-D336-4FF7-8B7A-9848BB0A1C32}" type="slidenum">
               <a:rPr lang="en-US" smtClean="0"/>
-              <a:t>‹#›</a:t>
+              <a:t>‹nº›</a:t>
             </a:fld>
             <a:endParaRPr lang="en-US"/>
           </a:p>
@@ -478,7 +478,7 @@
           <a:p>
             <a:fld id="{330EA680-D336-4FF7-8B7A-9848BB0A1C32}" type="slidenum">
               <a:rPr lang="en-US" smtClean="0"/>
-              <a:t>‹#›</a:t>
+              <a:t>‹nº›</a:t>
             </a:fld>
             <a:endParaRPr lang="en-US"/>
           </a:p>
@@ -658,7 +658,7 @@
           <a:p>
             <a:fld id="{330EA680-D336-4FF7-8B7A-9848BB0A1C32}" type="slidenum">
               <a:rPr lang="en-US" smtClean="0"/>
-              <a:t>‹#›</a:t>
+              <a:t>‹nº›</a:t>
             </a:fld>
             <a:endParaRPr lang="en-US"/>
           </a:p>
@@ -828,7 +828,7 @@
           <a:p>
             <a:fld id="{330EA680-D336-4FF7-8B7A-9848BB0A1C32}" type="slidenum">
               <a:rPr lang="en-US" smtClean="0"/>
-              <a:t>‹#›</a:t>
+              <a:t>‹nº›</a:t>
             </a:fld>
             <a:endParaRPr lang="en-US"/>
           </a:p>
@@ -1074,7 +1074,7 @@
           <a:p>
             <a:fld id="{330EA680-D336-4FF7-8B7A-9848BB0A1C32}" type="slidenum">
               <a:rPr lang="en-US" smtClean="0"/>
-              <a:t>‹#›</a:t>
+              <a:t>‹nº›</a:t>
             </a:fld>
             <a:endParaRPr lang="en-US"/>
           </a:p>
@@ -1306,7 +1306,7 @@
           <a:p>
             <a:fld id="{330EA680-D336-4FF7-8B7A-9848BB0A1C32}" type="slidenum">
               <a:rPr lang="en-US" smtClean="0"/>
-              <a:t>‹#›</a:t>
+              <a:t>‹nº›</a:t>
             </a:fld>
             <a:endParaRPr lang="en-US"/>
           </a:p>
@@ -1673,7 +1673,7 @@
           <a:p>
             <a:fld id="{330EA680-D336-4FF7-8B7A-9848BB0A1C32}" type="slidenum">
               <a:rPr lang="en-US" smtClean="0"/>
-              <a:t>‹#›</a:t>
+              <a:t>‹nº›</a:t>
             </a:fld>
             <a:endParaRPr lang="en-US"/>
           </a:p>
@@ -1791,7 +1791,7 @@
           <a:p>
             <a:fld id="{330EA680-D336-4FF7-8B7A-9848BB0A1C32}" type="slidenum">
               <a:rPr lang="en-US" smtClean="0"/>
-              <a:t>‹#›</a:t>
+              <a:t>‹nº›</a:t>
             </a:fld>
             <a:endParaRPr lang="en-US"/>
           </a:p>
@@ -1886,7 +1886,7 @@
           <a:p>
             <a:fld id="{330EA680-D336-4FF7-8B7A-9848BB0A1C32}" type="slidenum">
               <a:rPr lang="en-US" smtClean="0"/>
-              <a:t>‹#›</a:t>
+              <a:t>‹nº›</a:t>
             </a:fld>
             <a:endParaRPr lang="en-US"/>
           </a:p>
@@ -2163,7 +2163,7 @@
           <a:p>
             <a:fld id="{330EA680-D336-4FF7-8B7A-9848BB0A1C32}" type="slidenum">
               <a:rPr lang="en-US" smtClean="0"/>
-              <a:t>‹#›</a:t>
+              <a:t>‹nº›</a:t>
             </a:fld>
             <a:endParaRPr lang="en-US"/>
           </a:p>
@@ -2420,7 +2420,7 @@
           <a:p>
             <a:fld id="{330EA680-D336-4FF7-8B7A-9848BB0A1C32}" type="slidenum">
               <a:rPr lang="en-US" smtClean="0"/>
-              <a:t>‹#›</a:t>
+              <a:t>‹nº›</a:t>
             </a:fld>
             <a:endParaRPr lang="en-US"/>
           </a:p>
@@ -2669,7 +2669,7 @@
           <a:p>
             <a:fld id="{330EA680-D336-4FF7-8B7A-9848BB0A1C32}" type="slidenum">
               <a:rPr lang="en-US" smtClean="0"/>
-              <a:t>‹#›</a:t>
+              <a:t>‹nº›</a:t>
             </a:fld>
             <a:endParaRPr lang="en-US"/>
           </a:p>
@@ -3080,6 +3080,13 @@
   <p:clrMapOvr>
     <a:masterClrMapping/>
   </p:clrMapOvr>
+  <p:timing>
+    <p:tnLst>
+      <p:par>
+        <p:cTn id="1" dur="indefinite" restart="never" nodeType="tmRoot"/>
+      </p:par>
+    </p:tnLst>
+  </p:timing>
 </p:sld>
 </file>
 
@@ -3251,7 +3258,7 @@
               </a:rPr>
               <a:t>Skilled Resources</a:t>
             </a:r>
-            <a:endParaRPr lang="en-US" sz="3600">
+            <a:endParaRPr lang="en-US" sz="3600" dirty="0">
               <a:cs typeface="Calibri"/>
             </a:endParaRPr>
           </a:p>
@@ -3377,6 +3384,13 @@
   <p:clrMapOvr>
     <a:masterClrMapping/>
   </p:clrMapOvr>
+  <p:timing>
+    <p:tnLst>
+      <p:par>
+        <p:cTn id="1" dur="indefinite" restart="never" nodeType="tmRoot"/>
+      </p:par>
+    </p:tnLst>
+  </p:timing>
 </p:sld>
 </file>
 
@@ -3503,7 +3517,7 @@
           <a:bodyPr/>
           <a:lstStyle/>
           <a:p>
-            <a:endParaRPr lang="en-US"/>
+            <a:endParaRPr lang="en-US" dirty="0"/>
           </a:p>
         </p:txBody>
       </p:sp>
@@ -3517,6 +3531,13 @@
   <p:clrMapOvr>
     <a:masterClrMapping/>
   </p:clrMapOvr>
+  <p:timing>
+    <p:tnLst>
+      <p:par>
+        <p:cTn id="1" dur="indefinite" restart="never" nodeType="tmRoot"/>
+      </p:par>
+    </p:tnLst>
+  </p:timing>
 </p:sld>
 </file>
 
@@ -3615,6 +3636,13 @@
   <p:clrMapOvr>
     <a:masterClrMapping/>
   </p:clrMapOvr>
+  <p:timing>
+    <p:tnLst>
+      <p:par>
+        <p:cTn id="1" dur="indefinite" restart="never" nodeType="tmRoot"/>
+      </p:par>
+    </p:tnLst>
+  </p:timing>
 </p:sld>
 </file>
 
@@ -3635,56 +3663,35 @@
           <a:chExt cx="0" cy="0"/>
         </a:xfrm>
       </p:grpSpPr>
-      <p:sp>
-        <p:nvSpPr>
-          <p:cNvPr id="2" name="Title 1">
+      <p:pic>
+        <p:nvPicPr>
+          <p:cNvPr id="4" name="Espaço Reservado para Conteúdo 3"/>
+          <p:cNvPicPr>
+            <a:picLocks noGrp="1" noChangeAspect="1"/>
+          </p:cNvPicPr>
+          <p:nvPr>
+            <p:ph idx="1"/>
+          </p:nvPr>
+        </p:nvPicPr>
+        <p:blipFill>
+          <a:blip r:embed="rId2">
             <a:extLst>
-              <a:ext uri="{FF2B5EF4-FFF2-40B4-BE49-F238E27FC236}">
-                <a16:creationId xmlns:a16="http://schemas.microsoft.com/office/drawing/2014/main" id="{5B0BBE42-695F-414E-AE8A-D22E8057E644}"/>
+              <a:ext uri="{28A0092B-C50C-407E-A947-70E740481C1C}">
+                <a14:useLocalDpi xmlns:a14="http://schemas.microsoft.com/office/drawing/2010/main" val="0"/>
               </a:ext>
             </a:extLst>
-          </p:cNvPr>
-          <p:cNvSpPr>
-            <a:spLocks noGrp="1"/>
-          </p:cNvSpPr>
-          <p:nvPr>
-            <p:ph type="title"/>
-          </p:nvPr>
-        </p:nvSpPr>
-        <p:spPr/>
-        <p:txBody>
-          <a:bodyPr/>
-          <a:lstStyle/>
-          <a:p>
-            <a:endParaRPr lang="en-US"/>
-          </a:p>
-        </p:txBody>
-      </p:sp>
-      <p:sp>
-        <p:nvSpPr>
-          <p:cNvPr id="3" name="Content Placeholder 2">
-            <a:extLst>
-              <a:ext uri="{FF2B5EF4-FFF2-40B4-BE49-F238E27FC236}">
-                <a16:creationId xmlns:a16="http://schemas.microsoft.com/office/drawing/2014/main" id="{A226DA1A-B079-4AAC-8AB8-91037CE27331}"/>
-              </a:ext>
-            </a:extLst>
-          </p:cNvPr>
-          <p:cNvSpPr>
-            <a:spLocks noGrp="1"/>
-          </p:cNvSpPr>
-          <p:nvPr>
-            <p:ph idx="1"/>
-          </p:nvPr>
-        </p:nvSpPr>
-        <p:spPr/>
-        <p:txBody>
-          <a:bodyPr/>
-          <a:lstStyle/>
-          <a:p>
-            <a:endParaRPr lang="en-US"/>
-          </a:p>
-        </p:txBody>
-      </p:sp>
+          </a:blip>
+          <a:stretch>
+            <a:fillRect/>
+          </a:stretch>
+        </p:blipFill>
+        <p:spPr>
+          <a:xfrm>
+            <a:off x="3279167" y="365125"/>
+            <a:ext cx="5633666" cy="5971688"/>
+          </a:xfrm>
+        </p:spPr>
+      </p:pic>
     </p:spTree>
     <p:extLst>
       <p:ext uri="{BB962C8B-B14F-4D97-AF65-F5344CB8AC3E}">
@@ -3695,6 +3702,13 @@
   <p:clrMapOvr>
     <a:masterClrMapping/>
   </p:clrMapOvr>
+  <p:timing>
+    <p:tnLst>
+      <p:par>
+        <p:cTn id="1" dur="indefinite" restart="never" nodeType="tmRoot"/>
+      </p:par>
+    </p:tnLst>
+  </p:timing>
 </p:sld>
 </file>
 
@@ -3720,7 +3734,7 @@
           <p:cNvPr id="2" name="Title 1">
             <a:extLst>
               <a:ext uri="{FF2B5EF4-FFF2-40B4-BE49-F238E27FC236}">
-                <a16:creationId xmlns:a16="http://schemas.microsoft.com/office/drawing/2014/main" id="{8E81CFC4-A3F0-4AF7-89C6-9A5EA946ACE0}"/>
+                <a16:creationId xmlns:a16="http://schemas.microsoft.com/office/drawing/2014/main" id="{B358A598-E718-4149-A1A7-D031B17ECEA6}"/>
               </a:ext>
             </a:extLst>
           </p:cNvPr>
@@ -3736,43 +3750,21 @@
           <a:bodyPr/>
           <a:lstStyle/>
           <a:p>
-            <a:pPr algn="ctr"/>
-            <a:r>
-              <a:rPr lang="en-US" b="1" dirty="0" err="1">
-                <a:cs typeface="Calibri Light"/>
-              </a:rPr>
-              <a:t>Processos</a:t>
-            </a:r>
-            <a:r>
-              <a:rPr lang="en-US" b="1" dirty="0">
-                <a:cs typeface="Calibri Light"/>
-              </a:rPr>
-              <a:t> de </a:t>
-            </a:r>
-            <a:r>
-              <a:rPr lang="en-US" b="1" dirty="0" err="1">
-                <a:cs typeface="Calibri Light"/>
-              </a:rPr>
-              <a:t>desenvolvimento</a:t>
-            </a:r>
-            <a:r>
-              <a:rPr lang="en-US" b="1" dirty="0">
-                <a:cs typeface="Calibri Light"/>
-              </a:rPr>
-              <a:t> de software</a:t>
-            </a:r>
-            <a:endParaRPr lang="en-US" b="1">
-              <a:cs typeface="Calibri Light" panose="020F0302020204030204"/>
-            </a:endParaRPr>
-          </a:p>
-        </p:txBody>
-      </p:sp>
-      <p:sp>
-        <p:nvSpPr>
-          <p:cNvPr id="3" name="Text Placeholder 2">
+            <a:pPr fontAlgn="base"/>
+            <a:r>
+              <a:rPr lang="pt-BR" b="1" dirty="0"/>
+              <a:t>São características de um processo:</a:t>
+            </a:r>
+            <a:endParaRPr lang="pt-BR" b="1" dirty="0"/>
+          </a:p>
+        </p:txBody>
+      </p:sp>
+      <p:sp>
+        <p:nvSpPr>
+          <p:cNvPr id="3" name="Content Placeholder 2">
             <a:extLst>
               <a:ext uri="{FF2B5EF4-FFF2-40B4-BE49-F238E27FC236}">
-                <a16:creationId xmlns:a16="http://schemas.microsoft.com/office/drawing/2014/main" id="{1EBAC70E-F001-44D3-B0D1-BA81B58A385A}"/>
+                <a16:creationId xmlns:a16="http://schemas.microsoft.com/office/drawing/2014/main" id="{1D52277E-1F60-4F6F-9803-8D089801AC4D}"/>
               </a:ext>
             </a:extLst>
           </p:cNvPr>
@@ -3780,28 +3772,74 @@
             <a:spLocks noGrp="1"/>
           </p:cNvSpPr>
           <p:nvPr>
-            <p:ph type="body" idx="1"/>
-          </p:nvPr>
-        </p:nvSpPr>
-        <p:spPr/>
-        <p:txBody>
-          <a:bodyPr/>
-          <a:lstStyle/>
-          <a:p>
-            <a:endParaRPr lang="en-US"/>
+            <p:ph idx="1"/>
+          </p:nvPr>
+        </p:nvSpPr>
+        <p:spPr/>
+        <p:txBody>
+          <a:bodyPr/>
+          <a:lstStyle/>
+          <a:p>
+            <a:pPr fontAlgn="base"/>
+            <a:r>
+              <a:rPr lang="pt-BR" dirty="0" smtClean="0"/>
+              <a:t>Ser </a:t>
+            </a:r>
+            <a:r>
+              <a:rPr lang="pt-BR" dirty="0"/>
+              <a:t>um trabalho contínuo e rotineiro;</a:t>
+            </a:r>
+          </a:p>
+          <a:p>
+            <a:pPr fontAlgn="base"/>
+            <a:r>
+              <a:rPr lang="pt-BR" dirty="0"/>
+              <a:t>Gerar resultados constantes e padronizados;</a:t>
+            </a:r>
+          </a:p>
+          <a:p>
+            <a:pPr fontAlgn="base"/>
+            <a:r>
+              <a:rPr lang="pt-BR" dirty="0"/>
+              <a:t>Ser permanente e replicável;</a:t>
+            </a:r>
+          </a:p>
+          <a:p>
+            <a:pPr fontAlgn="base"/>
+            <a:r>
+              <a:rPr lang="pt-BR" dirty="0"/>
+              <a:t>Corresponder à forma pela qual a organização trabalha;</a:t>
+            </a:r>
+          </a:p>
+          <a:p>
+            <a:pPr fontAlgn="base"/>
+            <a:r>
+              <a:rPr lang="pt-BR" dirty="0"/>
+              <a:t>Agregar valor às entregas para clientes.</a:t>
+            </a:r>
+          </a:p>
+          <a:p>
+            <a:endParaRPr lang="en-US" dirty="0"/>
           </a:p>
         </p:txBody>
       </p:sp>
     </p:spTree>
     <p:extLst>
       <p:ext uri="{BB962C8B-B14F-4D97-AF65-F5344CB8AC3E}">
-        <p14:creationId xmlns:p14="http://schemas.microsoft.com/office/powerpoint/2010/main" val="1075063964"/>
+        <p14:creationId xmlns:p14="http://schemas.microsoft.com/office/powerpoint/2010/main" val="647840973"/>
       </p:ext>
     </p:extLst>
   </p:cSld>
   <p:clrMapOvr>
     <a:masterClrMapping/>
   </p:clrMapOvr>
+  <p:timing>
+    <p:tnLst>
+      <p:par>
+        <p:cTn id="1" dur="indefinite" restart="never" nodeType="tmRoot"/>
+      </p:par>
+    </p:tnLst>
+  </p:timing>
 </p:sld>
 </file>
 
@@ -3827,7 +3865,7 @@
           <p:cNvPr id="2" name="Title 1">
             <a:extLst>
               <a:ext uri="{FF2B5EF4-FFF2-40B4-BE49-F238E27FC236}">
-                <a16:creationId xmlns:a16="http://schemas.microsoft.com/office/drawing/2014/main" id="{B358A598-E718-4149-A1A7-D031B17ECEA6}"/>
+                <a16:creationId xmlns:a16="http://schemas.microsoft.com/office/drawing/2014/main" id="{8E81CFC4-A3F0-4AF7-89C6-9A5EA946ACE0}"/>
               </a:ext>
             </a:extLst>
           </p:cNvPr>
@@ -3843,16 +3881,43 @@
           <a:bodyPr/>
           <a:lstStyle/>
           <a:p>
-            <a:endParaRPr lang="en-US"/>
-          </a:p>
-        </p:txBody>
-      </p:sp>
-      <p:sp>
-        <p:nvSpPr>
-          <p:cNvPr id="3" name="Content Placeholder 2">
+            <a:pPr algn="ctr"/>
+            <a:r>
+              <a:rPr lang="en-US" b="1" dirty="0" err="1">
+                <a:cs typeface="Calibri Light"/>
+              </a:rPr>
+              <a:t>Processos</a:t>
+            </a:r>
+            <a:r>
+              <a:rPr lang="en-US" b="1" dirty="0">
+                <a:cs typeface="Calibri Light"/>
+              </a:rPr>
+              <a:t> de </a:t>
+            </a:r>
+            <a:r>
+              <a:rPr lang="en-US" b="1" dirty="0" err="1">
+                <a:cs typeface="Calibri Light"/>
+              </a:rPr>
+              <a:t>desenvolvimento</a:t>
+            </a:r>
+            <a:r>
+              <a:rPr lang="en-US" b="1" dirty="0">
+                <a:cs typeface="Calibri Light"/>
+              </a:rPr>
+              <a:t> de software</a:t>
+            </a:r>
+            <a:endParaRPr lang="en-US" b="1">
+              <a:cs typeface="Calibri Light" panose="020F0302020204030204"/>
+            </a:endParaRPr>
+          </a:p>
+        </p:txBody>
+      </p:sp>
+      <p:sp>
+        <p:nvSpPr>
+          <p:cNvPr id="3" name="Text Placeholder 2">
             <a:extLst>
               <a:ext uri="{FF2B5EF4-FFF2-40B4-BE49-F238E27FC236}">
-                <a16:creationId xmlns:a16="http://schemas.microsoft.com/office/drawing/2014/main" id="{1D52277E-1F60-4F6F-9803-8D089801AC4D}"/>
+                <a16:creationId xmlns:a16="http://schemas.microsoft.com/office/drawing/2014/main" id="{1EBAC70E-F001-44D3-B0D1-BA81B58A385A}"/>
               </a:ext>
             </a:extLst>
           </p:cNvPr>
@@ -3860,7 +3925,7 @@
             <a:spLocks noGrp="1"/>
           </p:cNvSpPr>
           <p:nvPr>
-            <p:ph idx="1"/>
+            <p:ph type="body" idx="1"/>
           </p:nvPr>
         </p:nvSpPr>
         <p:spPr/>
@@ -3875,13 +3940,20 @@
     </p:spTree>
     <p:extLst>
       <p:ext uri="{BB962C8B-B14F-4D97-AF65-F5344CB8AC3E}">
-        <p14:creationId xmlns:p14="http://schemas.microsoft.com/office/powerpoint/2010/main" val="647840973"/>
+        <p14:creationId xmlns:p14="http://schemas.microsoft.com/office/powerpoint/2010/main" val="1075063964"/>
       </p:ext>
     </p:extLst>
   </p:cSld>
   <p:clrMapOvr>
     <a:masterClrMapping/>
   </p:clrMapOvr>
+  <p:timing>
+    <p:tnLst>
+      <p:par>
+        <p:cTn id="1" dur="indefinite" restart="never" nodeType="tmRoot"/>
+      </p:par>
+    </p:tnLst>
+  </p:timing>
 </p:sld>
 </file>
 
@@ -4053,6 +4125,13 @@
   <p:clrMapOvr>
     <a:masterClrMapping/>
   </p:clrMapOvr>
+  <p:timing>
+    <p:tnLst>
+      <p:par>
+        <p:cTn id="1" dur="indefinite" restart="never" nodeType="tmRoot"/>
+      </p:par>
+    </p:tnLst>
+  </p:timing>
 </p:sld>
 </file>
 
@@ -4227,6 +4306,13 @@
   <p:clrMapOvr>
     <a:masterClrMapping/>
   </p:clrMapOvr>
+  <p:timing>
+    <p:tnLst>
+      <p:par>
+        <p:cTn id="1" dur="indefinite" restart="never" nodeType="tmRoot"/>
+      </p:par>
+    </p:tnLst>
+  </p:timing>
 </p:sld>
 </file>
 
@@ -4322,6 +4408,13 @@
   <p:clrMapOvr>
     <a:masterClrMapping/>
   </p:clrMapOvr>
+  <p:timing>
+    <p:tnLst>
+      <p:par>
+        <p:cTn id="1" dur="indefinite" restart="never" nodeType="tmRoot"/>
+      </p:par>
+    </p:tnLst>
+  </p:timing>
 </p:sld>
 </file>
 
@@ -4388,6 +4481,13 @@
   <p:clrMapOvr>
     <a:masterClrMapping/>
   </p:clrMapOvr>
+  <p:timing>
+    <p:tnLst>
+      <p:par>
+        <p:cTn id="1" dur="indefinite" restart="never" nodeType="tmRoot"/>
+      </p:par>
+    </p:tnLst>
+  </p:timing>
 </p:sld>
 </file>
 
@@ -4467,6 +4567,13 @@
   <p:clrMapOvr>
     <a:masterClrMapping/>
   </p:clrMapOvr>
+  <p:timing>
+    <p:tnLst>
+      <p:par>
+        <p:cTn id="1" dur="indefinite" restart="never" nodeType="tmRoot"/>
+      </p:par>
+    </p:tnLst>
+  </p:timing>
 </p:sld>
 </file>
 
@@ -4571,6 +4678,13 @@
   <p:clrMapOvr>
     <a:masterClrMapping/>
   </p:clrMapOvr>
+  <p:timing>
+    <p:tnLst>
+      <p:par>
+        <p:cTn id="1" dur="indefinite" restart="never" nodeType="tmRoot"/>
+      </p:par>
+    </p:tnLst>
+  </p:timing>
 </p:sld>
 </file>
 
@@ -4710,6 +4824,13 @@
   <p:clrMapOvr>
     <a:masterClrMapping/>
   </p:clrMapOvr>
+  <p:timing>
+    <p:tnLst>
+      <p:par>
+        <p:cTn id="1" dur="indefinite" restart="never" nodeType="tmRoot"/>
+      </p:par>
+    </p:tnLst>
+  </p:timing>
 </p:sld>
 </file>
 
@@ -4919,6 +5040,13 @@
   <p:clrMapOvr>
     <a:masterClrMapping/>
   </p:clrMapOvr>
+  <p:timing>
+    <p:tnLst>
+      <p:par>
+        <p:cTn id="1" dur="indefinite" restart="never" nodeType="tmRoot"/>
+      </p:par>
+    </p:tnLst>
+  </p:timing>
 </p:sld>
 </file>
 
@@ -5132,7 +5260,6 @@
               <a:rPr lang="en-US" dirty="0"/>
               <a:t> </a:t>
             </a:r>
-            <a:endParaRPr lang="en-US"/>
           </a:p>
         </p:txBody>
       </p:sp>
@@ -5146,6 +5273,13 @@
   <p:clrMapOvr>
     <a:masterClrMapping/>
   </p:clrMapOvr>
+  <p:timing>
+    <p:tnLst>
+      <p:par>
+        <p:cTn id="1" dur="indefinite" restart="never" nodeType="tmRoot"/>
+      </p:par>
+    </p:tnLst>
+  </p:timing>
 </p:sld>
 </file>
 
